--- a/TEAM NO 23.pptx
+++ b/TEAM NO 23.pptx
@@ -5,7 +5,7 @@
     <p:sldMasterId id="2147483648" r:id="rId1"/>
   </p:sldMasterIdLst>
   <p:notesMasterIdLst>
-    <p:notesMasterId r:id="rId10"/>
+    <p:notesMasterId r:id="rId12"/>
   </p:notesMasterIdLst>
   <p:sldIdLst>
     <p:sldId id="256" r:id="rId2"/>
@@ -13,9 +13,11 @@
     <p:sldId id="267" r:id="rId4"/>
     <p:sldId id="279" r:id="rId5"/>
     <p:sldId id="284" r:id="rId6"/>
-    <p:sldId id="292" r:id="rId7"/>
-    <p:sldId id="293" r:id="rId8"/>
-    <p:sldId id="289" r:id="rId9"/>
+    <p:sldId id="294" r:id="rId7"/>
+    <p:sldId id="296" r:id="rId8"/>
+    <p:sldId id="292" r:id="rId9"/>
+    <p:sldId id="293" r:id="rId10"/>
+    <p:sldId id="295" r:id="rId11"/>
   </p:sldIdLst>
   <p:sldSz cx="9144000" cy="5143500" type="screen16x9"/>
   <p:notesSz cx="6858000" cy="9144000"/>
@@ -216,7 +218,7 @@
             <a:fld id="{A8ADFD5B-A66C-449C-B6E8-FB716D07777D}" type="datetimeFigureOut">
               <a:rPr lang="en-US" smtClean="0"/>
               <a:pPr/>
-              <a:t>9/9/2024</a:t>
+              <a:t>11/28/2024</a:t>
             </a:fld>
             <a:endParaRPr lang="en-US"/>
           </a:p>
@@ -980,7 +982,7 @@
             <a:fld id="{CA5D3BF3-D352-46FC-8343-31F56E6730EA}" type="slidenum">
               <a:rPr lang="en-US" smtClean="0"/>
               <a:pPr/>
-              <a:t>6</a:t>
+              <a:t>8</a:t>
             </a:fld>
             <a:endParaRPr lang="en-US"/>
           </a:p>
@@ -1264,7 +1266,7 @@
                 </a:solidFill>
               </a:rPr>
               <a:pPr algn="ctr"/>
-              <a:t>9/9/2024</a:t>
+              <a:t>11/28/2024</a:t>
             </a:fld>
             <a:endParaRPr lang="en-US" sz="2000" dirty="0">
               <a:solidFill>
@@ -1457,7 +1459,7 @@
             <a:fld id="{E4606EA6-EFEA-4C30-9264-4F9291A5780D}" type="datetime1">
               <a:rPr lang="en-US" smtClean="0"/>
               <a:pPr/>
-              <a:t>9/9/2024</a:t>
+              <a:t>11/28/2024</a:t>
             </a:fld>
             <a:endParaRPr lang="en-US"/>
           </a:p>
@@ -1872,7 +1874,7 @@
             <a:fld id="{6FCF9F07-3BC7-4570-B054-79111B0A380C}" type="datetime1">
               <a:rPr lang="en-US" smtClean="0"/>
               <a:pPr/>
-              <a:t>9/9/2024</a:t>
+              <a:t>11/28/2024</a:t>
             </a:fld>
             <a:endParaRPr lang="en-US"/>
           </a:p>
@@ -2126,7 +2128,7 @@
             <a:fld id="{E4606EA6-EFEA-4C30-9264-4F9291A5780D}" type="datetime1">
               <a:rPr lang="en-US" smtClean="0"/>
               <a:pPr/>
-              <a:t>9/9/2024</a:t>
+              <a:t>11/28/2024</a:t>
             </a:fld>
             <a:endParaRPr lang="en-US"/>
           </a:p>
@@ -2370,7 +2372,7 @@
             <a:fld id="{E4606EA6-EFEA-4C30-9264-4F9291A5780D}" type="datetime1">
               <a:rPr lang="en-US" smtClean="0"/>
               <a:pPr/>
-              <a:t>9/9/2024</a:t>
+              <a:t>11/28/2024</a:t>
             </a:fld>
             <a:endParaRPr lang="en-US"/>
           </a:p>
@@ -2574,7 +2576,7 @@
             <a:fld id="{6DFADB5D-B7A0-47E3-AD2D-B1A6F8614213}" type="datetime1">
               <a:rPr lang="en-US" smtClean="0"/>
               <a:pPr/>
-              <a:t>9/9/2024</a:t>
+              <a:t>11/28/2024</a:t>
             </a:fld>
             <a:endParaRPr lang="en-US"/>
           </a:p>
@@ -2683,7 +2685,7 @@
             <a:fld id="{72968126-03FC-49C0-B9B8-2B561CCC3D90}" type="datetime1">
               <a:rPr lang="en-US" smtClean="0"/>
               <a:pPr/>
-              <a:t>9/9/2024</a:t>
+              <a:t>11/28/2024</a:t>
             </a:fld>
             <a:endParaRPr lang="en-US"/>
           </a:p>
@@ -2831,7 +2833,7 @@
             <a:fld id="{F49A8198-4617-485E-9585-4840B69DBBA6}" type="datetime1">
               <a:rPr lang="en-US" smtClean="0"/>
               <a:pPr/>
-              <a:t>9/9/2024</a:t>
+              <a:t>11/28/2024</a:t>
             </a:fld>
             <a:endParaRPr lang="en-US"/>
           </a:p>
@@ -3405,7 +3407,7 @@
             <a:fld id="{E4606EA6-EFEA-4C30-9264-4F9291A5780D}" type="datetime1">
               <a:rPr lang="en-US" smtClean="0"/>
               <a:pPr/>
-              <a:t>9/9/2024</a:t>
+              <a:t>11/28/2024</a:t>
             </a:fld>
             <a:endParaRPr lang="en-US"/>
           </a:p>
@@ -3601,7 +3603,7 @@
             <a:fld id="{E4606EA6-EFEA-4C30-9264-4F9291A5780D}" type="datetime1">
               <a:rPr lang="en-US" smtClean="0"/>
               <a:pPr/>
-              <a:t>9/9/2024</a:t>
+              <a:t>11/28/2024</a:t>
             </a:fld>
             <a:endParaRPr lang="en-US" sz="1400" dirty="0">
               <a:solidFill>
@@ -4441,8 +4443,8 @@
         </p:nvSpPr>
         <p:spPr>
           <a:xfrm>
-            <a:off x="746617" y="1091503"/>
-            <a:ext cx="8034516" cy="2185214"/>
+            <a:off x="71617" y="1730603"/>
+            <a:ext cx="10344037" cy="1495672"/>
           </a:xfrm>
           <a:prstGeom prst="rect">
             <a:avLst/>
@@ -4461,11 +4463,11 @@
             </a:r>
             <a:r>
               <a:rPr lang="en-US" sz="4800" dirty="0"/>
-              <a:t>  </a:t>
+              <a:t> </a:t>
             </a:r>
             <a:r>
               <a:rPr lang="en-US" sz="4400" dirty="0"/>
-              <a:t>Smart Transportation System Using with GPS Wireless Camera
+              <a:t>SMART VEHICLE SECURITY SYSTEM 
 </a:t>
             </a:r>
             <a:endParaRPr lang="en-IN" sz="4400" dirty="0"/>
@@ -4513,6 +4515,75 @@
         </p:txBody>
       </p:sp>
     </p:spTree>
+  </p:cSld>
+  <p:clrMapOvr>
+    <a:masterClrMapping/>
+  </p:clrMapOvr>
+</p:sld>
+</file>
+
+<file path=ppt/slides/slide10.xml><?xml version="1.0" encoding="utf-8"?>
+<p:sld xmlns:a="http://schemas.openxmlformats.org/drawingml/2006/main" xmlns:r="http://schemas.openxmlformats.org/officeDocument/2006/relationships" xmlns:p="http://schemas.openxmlformats.org/presentationml/2006/main">
+  <p:cSld>
+    <p:spTree>
+      <p:nvGrpSpPr>
+        <p:cNvPr id="1" name=""/>
+        <p:cNvGrpSpPr/>
+        <p:nvPr/>
+      </p:nvGrpSpPr>
+      <p:grpSpPr>
+        <a:xfrm>
+          <a:off x="0" y="0"/>
+          <a:ext cx="0" cy="0"/>
+          <a:chOff x="0" y="0"/>
+          <a:chExt cx="0" cy="0"/>
+        </a:xfrm>
+      </p:grpSpPr>
+      <p:sp>
+        <p:nvSpPr>
+          <p:cNvPr id="3" name="Content Placeholder 2">
+            <a:extLst>
+              <a:ext uri="{FF2B5EF4-FFF2-40B4-BE49-F238E27FC236}">
+                <a16:creationId xmlns:a16="http://schemas.microsoft.com/office/drawing/2014/main" id="{37A5AEB0-F164-9663-8F16-5439FFA9FB0A}"/>
+              </a:ext>
+            </a:extLst>
+          </p:cNvPr>
+          <p:cNvSpPr>
+            <a:spLocks noGrp="1"/>
+          </p:cNvSpPr>
+          <p:nvPr>
+            <p:ph sz="quarter" idx="13"/>
+          </p:nvPr>
+        </p:nvSpPr>
+        <p:spPr>
+          <a:xfrm>
+            <a:off x="901148" y="2209524"/>
+            <a:ext cx="7341704" cy="3665606"/>
+          </a:xfrm>
+        </p:spPr>
+        <p:txBody>
+          <a:bodyPr>
+            <a:normAutofit/>
+          </a:bodyPr>
+          <a:lstStyle/>
+          <a:p>
+            <a:pPr marL="0" indent="0">
+              <a:buNone/>
+            </a:pPr>
+            <a:r>
+              <a:rPr lang="en-IN" sz="8800" dirty="0"/>
+              <a:t>THANK YOU..!!</a:t>
+            </a:r>
+            <a:endParaRPr lang="en-US" sz="8800" dirty="0"/>
+          </a:p>
+        </p:txBody>
+      </p:sp>
+    </p:spTree>
+    <p:extLst>
+      <p:ext uri="{BB962C8B-B14F-4D97-AF65-F5344CB8AC3E}">
+        <p14:creationId xmlns:p14="http://schemas.microsoft.com/office/powerpoint/2010/main" val="754565874"/>
+      </p:ext>
+    </p:extLst>
   </p:cSld>
   <p:clrMapOvr>
     <a:masterClrMapping/>
@@ -4573,8 +4644,8 @@
         </p:nvSpPr>
         <p:spPr>
           <a:xfrm>
-            <a:off x="609600" y="1389002"/>
-            <a:ext cx="8417113" cy="3416320"/>
+            <a:off x="437417" y="1440626"/>
+            <a:ext cx="8706583" cy="3416320"/>
           </a:xfrm>
           <a:prstGeom prst="rect">
             <a:avLst/>
@@ -4597,7 +4668,7 @@
             </a:r>
             <a:r>
               <a:rPr lang="en-US" sz="3600" dirty="0"/>
-              <a:t>-based smart transportation system using an ESP32 CAM for wireless video monitoring, GPS for location tracking, and remote control of a solenoid lock, enhancing vehicle security and management.</a:t>
+              <a:t>-based smart vehicle security system  using an ESP32 CAM for wireless video monitoring, GPS for location tracking, and remote control of a solenoid lock, enhancing vehicle security and management.</a:t>
             </a:r>
           </a:p>
         </p:txBody>
@@ -4924,8 +4995,8 @@
         </p:blipFill>
         <p:spPr>
           <a:xfrm>
-            <a:off x="3879457" y="502507"/>
-            <a:ext cx="3238918" cy="4445548"/>
+            <a:off x="3879456" y="502507"/>
+            <a:ext cx="3484101" cy="4445548"/>
           </a:xfrm>
           <a:prstGeom prst="rect">
             <a:avLst/>
@@ -4964,235 +5035,72 @@
       </p:grpSpPr>
       <p:sp>
         <p:nvSpPr>
-          <p:cNvPr id="2" name="Rectangle 1"/>
-          <p:cNvSpPr>
-            <a:spLocks noGrp="1"/>
-          </p:cNvSpPr>
-          <p:nvPr>
-            <p:ph type="title"/>
-          </p:nvPr>
-        </p:nvSpPr>
-        <p:spPr>
-          <a:xfrm>
-            <a:off x="609599" y="583959"/>
-            <a:ext cx="8153400" cy="1005840"/>
-          </a:xfrm>
-        </p:spPr>
-        <p:txBody>
-          <a:bodyPr>
-            <a:normAutofit fontScale="90000"/>
-          </a:bodyPr>
-          <a:lstStyle/>
-          <a:p>
-            <a:r>
-              <a:rPr lang="en-US" b="1" dirty="0"/>
-              <a:t>Implementation</a:t>
-            </a:r>
-            <a:r>
-              <a:rPr lang="en-US" dirty="0"/>
-              <a:t>:</a:t>
-            </a:r>
-            <a:br>
-              <a:rPr lang="en-US" dirty="0"/>
-            </a:br>
-            <a:endParaRPr lang="en-US" dirty="0"/>
-          </a:p>
-        </p:txBody>
-      </p:sp>
-      <p:sp>
-        <p:nvSpPr>
-          <p:cNvPr id="4" name="TextBox 3">
+          <p:cNvPr id="2" name="Title 1">
             <a:extLst>
               <a:ext uri="{FF2B5EF4-FFF2-40B4-BE49-F238E27FC236}">
-                <a16:creationId xmlns:a16="http://schemas.microsoft.com/office/drawing/2014/main" id="{B590FBD2-5F09-DD43-DD4A-7AA1AD7D45C4}"/>
+                <a16:creationId xmlns:a16="http://schemas.microsoft.com/office/drawing/2014/main" id="{5A618C80-6241-6040-272A-7338E1466BB6}"/>
               </a:ext>
             </a:extLst>
           </p:cNvPr>
-          <p:cNvSpPr txBox="1"/>
-          <p:nvPr/>
-        </p:nvSpPr>
-        <p:spPr>
-          <a:xfrm rot="10800000" flipV="1">
-            <a:off x="387151" y="1609070"/>
-            <a:ext cx="8598297" cy="3416320"/>
-          </a:xfrm>
-          <a:prstGeom prst="rect">
-            <a:avLst/>
-          </a:prstGeom>
-          <a:noFill/>
-        </p:spPr>
-        <p:txBody>
-          <a:bodyPr wrap="square">
-            <a:spAutoFit/>
-          </a:bodyPr>
-          <a:lstStyle/>
-          <a:p>
-            <a:r>
-              <a:rPr lang="en-US" sz="2000" b="1" dirty="0"/>
-              <a:t>Hardware</a:t>
-            </a:r>
-            <a:r>
-              <a:rPr lang="en-US" b="1" dirty="0"/>
-              <a:t>:</a:t>
-            </a:r>
-          </a:p>
-          <a:p>
-            <a:pPr marL="285750" indent="-285750">
-              <a:buFont typeface="Arial" panose="020B0604020202020204" pitchFamily="34" charset="0"/>
-              <a:buChar char="•"/>
-            </a:pPr>
-            <a:r>
-              <a:rPr lang="en-US" b="1" dirty="0"/>
-              <a:t>ESP32 CAM</a:t>
-            </a:r>
-            <a:r>
-              <a:rPr lang="en-US" dirty="0"/>
-              <a:t> Setup: Connect the </a:t>
-            </a:r>
-            <a:r>
-              <a:rPr lang="en-US" b="1" dirty="0"/>
-              <a:t>ESP32 CAM </a:t>
-            </a:r>
-            <a:r>
-              <a:rPr lang="en-US" dirty="0"/>
-              <a:t>to Wi-Fi and write firmware to control the camera and relay.</a:t>
-            </a:r>
-          </a:p>
-          <a:p>
-            <a:pPr marL="285750" indent="-285750">
-              <a:buFont typeface="Arial" panose="020B0604020202020204" pitchFamily="34" charset="0"/>
-              <a:buChar char="•"/>
-            </a:pPr>
-            <a:r>
-              <a:rPr lang="en-US" b="1" dirty="0"/>
-              <a:t>Relay and Solenoid Lock:</a:t>
-            </a:r>
-            <a:r>
-              <a:rPr lang="en-US" dirty="0"/>
-              <a:t> Connect the relay module to the </a:t>
-            </a:r>
-            <a:r>
-              <a:rPr lang="en-US" b="1" dirty="0"/>
-              <a:t>ESP32 CAM </a:t>
-            </a:r>
-            <a:r>
-              <a:rPr lang="en-US" dirty="0"/>
-              <a:t>and the solenoid lock to the relay.</a:t>
-            </a:r>
-          </a:p>
-          <a:p>
-            <a:pPr marL="285750" indent="-285750">
-              <a:buFont typeface="Arial" panose="020B0604020202020204" pitchFamily="34" charset="0"/>
-              <a:buChar char="•"/>
-            </a:pPr>
-            <a:r>
-              <a:rPr lang="en-US" b="1" dirty="0"/>
-              <a:t>Power Management</a:t>
-            </a:r>
-            <a:r>
-              <a:rPr lang="en-US" dirty="0"/>
-              <a:t>: Use a 12V power supply, regulated to 5V with a </a:t>
-            </a:r>
-            <a:r>
-              <a:rPr lang="en-US" b="1" dirty="0"/>
-              <a:t>7805</a:t>
-            </a:r>
-            <a:r>
-              <a:rPr lang="en-US" dirty="0"/>
-              <a:t> </a:t>
-            </a:r>
-            <a:r>
-              <a:rPr lang="en-US" b="1" dirty="0"/>
-              <a:t>regulator</a:t>
-            </a:r>
-            <a:r>
-              <a:rPr lang="en-US" dirty="0"/>
-              <a:t>, and stabilize with a </a:t>
-            </a:r>
-            <a:r>
-              <a:rPr lang="en-US" b="1" dirty="0"/>
-              <a:t>100uF</a:t>
-            </a:r>
-            <a:r>
-              <a:rPr lang="en-US" dirty="0"/>
-              <a:t> </a:t>
-            </a:r>
-            <a:r>
-              <a:rPr lang="en-US" b="1" dirty="0"/>
-              <a:t>capacitor</a:t>
-            </a:r>
-            <a:r>
-              <a:rPr lang="en-US" dirty="0"/>
-              <a:t>.</a:t>
-            </a:r>
-          </a:p>
-          <a:p>
-            <a:pPr marL="285750" indent="-285750">
-              <a:buFont typeface="Arial" panose="020B0604020202020204" pitchFamily="34" charset="0"/>
-              <a:buChar char="•"/>
-            </a:pPr>
-            <a:r>
-              <a:rPr lang="en-US" b="1" dirty="0"/>
-              <a:t>LED Connection: </a:t>
-            </a:r>
-            <a:r>
-              <a:rPr lang="en-US" dirty="0"/>
-              <a:t>Attach an LED to a GPIO pin on the </a:t>
-            </a:r>
-            <a:r>
-              <a:rPr lang="en-US" b="1" dirty="0"/>
-              <a:t>ESP32</a:t>
-            </a:r>
-            <a:r>
-              <a:rPr lang="en-US" dirty="0"/>
-              <a:t> </a:t>
-            </a:r>
-            <a:r>
-              <a:rPr lang="en-US" b="1" dirty="0"/>
-              <a:t>CAM</a:t>
-            </a:r>
-            <a:r>
-              <a:rPr lang="en-US" dirty="0"/>
-              <a:t> for status display.</a:t>
-            </a:r>
-          </a:p>
-          <a:p>
-            <a:pPr marL="285750" indent="-285750">
-              <a:buFont typeface="Arial" panose="020B0604020202020204" pitchFamily="34" charset="0"/>
-              <a:buChar char="•"/>
-            </a:pPr>
-            <a:r>
-              <a:rPr lang="en-US" dirty="0"/>
-              <a:t>System Integration: Combine all components with correct connections and settings.</a:t>
-            </a:r>
-          </a:p>
-          <a:p>
-            <a:pPr marL="285750" indent="-285750">
-              <a:buFont typeface="Arial" panose="020B0604020202020204" pitchFamily="34" charset="0"/>
-              <a:buChar char="•"/>
-            </a:pPr>
-            <a:r>
-              <a:rPr lang="en-US" b="1" dirty="0"/>
-              <a:t>Testing</a:t>
-            </a:r>
-            <a:r>
-              <a:rPr lang="en-US" dirty="0"/>
-              <a:t>: Verify that the camera, GPS tracking, relay, solenoid lock, and LED work properly.</a:t>
-            </a:r>
-          </a:p>
-          <a:p>
-            <a:pPr marL="285750" indent="-285750">
-              <a:buFont typeface="Arial" panose="020B0604020202020204" pitchFamily="34" charset="0"/>
-              <a:buChar char="•"/>
-            </a:pPr>
-            <a:endParaRPr lang="en-US" b="1" dirty="0"/>
-          </a:p>
-        </p:txBody>
-      </p:sp>
+          <p:cNvSpPr>
+            <a:spLocks noGrp="1"/>
+          </p:cNvSpPr>
+          <p:nvPr>
+            <p:ph type="title"/>
+          </p:nvPr>
+        </p:nvSpPr>
+        <p:spPr/>
+        <p:txBody>
+          <a:bodyPr/>
+          <a:lstStyle/>
+          <a:p>
+            <a:r>
+              <a:rPr lang="en-IN" dirty="0"/>
+              <a:t>Design:</a:t>
+            </a:r>
+            <a:endParaRPr lang="en-US" dirty="0"/>
+          </a:p>
+        </p:txBody>
+      </p:sp>
+      <p:pic>
+        <p:nvPicPr>
+          <p:cNvPr id="5" name="Content Placeholder 4">
+            <a:extLst>
+              <a:ext uri="{FF2B5EF4-FFF2-40B4-BE49-F238E27FC236}">
+                <a16:creationId xmlns:a16="http://schemas.microsoft.com/office/drawing/2014/main" id="{A51FCD71-F9E1-C1A0-5472-845D0DDF5996}"/>
+              </a:ext>
+            </a:extLst>
+          </p:cNvPr>
+          <p:cNvPicPr>
+            <a:picLocks noGrp="1" noChangeAspect="1"/>
+          </p:cNvPicPr>
+          <p:nvPr>
+            <p:ph sz="quarter" idx="14"/>
+          </p:nvPr>
+        </p:nvPicPr>
+        <p:blipFill>
+          <a:blip r:embed="rId2">
+            <a:extLst>
+              <a:ext uri="{28A0092B-C50C-407E-A947-70E740481C1C}">
+                <a14:useLocalDpi xmlns:a14="http://schemas.microsoft.com/office/drawing/2010/main" val="0"/>
+              </a:ext>
+            </a:extLst>
+          </a:blip>
+          <a:stretch>
+            <a:fillRect/>
+          </a:stretch>
+        </p:blipFill>
+        <p:spPr>
+          <a:xfrm>
+            <a:off x="989495" y="1706663"/>
+            <a:ext cx="6937789" cy="3046450"/>
+          </a:xfrm>
+        </p:spPr>
+      </p:pic>
     </p:spTree>
     <p:extLst>
       <p:ext uri="{BB962C8B-B14F-4D97-AF65-F5344CB8AC3E}">
-        <p14:creationId xmlns:p14="http://schemas.microsoft.com/office/powerpoint/2010/main" val="1938181917"/>
+        <p14:creationId xmlns:p14="http://schemas.microsoft.com/office/powerpoint/2010/main" val="3458016304"/>
       </p:ext>
     </p:extLst>
   </p:cSld>
@@ -5224,7 +5132,7 @@
           <p:cNvPr id="2" name="Title 1">
             <a:extLst>
               <a:ext uri="{FF2B5EF4-FFF2-40B4-BE49-F238E27FC236}">
-                <a16:creationId xmlns:a16="http://schemas.microsoft.com/office/drawing/2014/main" id="{FB5C8BC8-2D17-0562-32BF-AFD1E482D18B}"/>
+                <a16:creationId xmlns:a16="http://schemas.microsoft.com/office/drawing/2014/main" id="{9332D41A-2EB3-F91B-C941-634D3D194FD1}"/>
               </a:ext>
             </a:extLst>
           </p:cNvPr>
@@ -5241,63 +5149,52 @@
           <a:lstStyle/>
           <a:p>
             <a:r>
-              <a:rPr lang="en-US" b="1" dirty="0"/>
-              <a:t>Conclusion</a:t>
-            </a:r>
-            <a:r>
-              <a:rPr lang="en-US" dirty="0"/>
-              <a:t>:</a:t>
-            </a:r>
-          </a:p>
-        </p:txBody>
-      </p:sp>
-      <p:sp>
-        <p:nvSpPr>
-          <p:cNvPr id="3" name="Content Placeholder 2">
+              <a:rPr lang="en-IN" dirty="0"/>
+              <a:t>Model:</a:t>
+            </a:r>
+            <a:endParaRPr lang="en-US" dirty="0"/>
+          </a:p>
+        </p:txBody>
+      </p:sp>
+      <p:pic>
+        <p:nvPicPr>
+          <p:cNvPr id="6" name="Content Placeholder 5">
             <a:extLst>
               <a:ext uri="{FF2B5EF4-FFF2-40B4-BE49-F238E27FC236}">
-                <a16:creationId xmlns:a16="http://schemas.microsoft.com/office/drawing/2014/main" id="{A0033E4B-D84D-598F-F5F6-967D54578B48}"/>
+                <a16:creationId xmlns:a16="http://schemas.microsoft.com/office/drawing/2014/main" id="{194D50AE-82AF-C23E-9963-A5AAA07205D3}"/>
               </a:ext>
             </a:extLst>
           </p:cNvPr>
-          <p:cNvSpPr>
-            <a:spLocks noGrp="1"/>
-          </p:cNvSpPr>
+          <p:cNvPicPr>
+            <a:picLocks noGrp="1" noChangeAspect="1"/>
+          </p:cNvPicPr>
           <p:nvPr>
             <p:ph sz="quarter" idx="13"/>
           </p:nvPr>
-        </p:nvSpPr>
-        <p:spPr>
-          <a:xfrm>
-            <a:off x="1061122" y="1352551"/>
-            <a:ext cx="7701878" cy="3268624"/>
-          </a:xfrm>
-        </p:spPr>
-        <p:txBody>
-          <a:bodyPr>
-            <a:noAutofit/>
-          </a:bodyPr>
-          <a:lstStyle/>
-          <a:p>
-            <a:r>
-              <a:rPr lang="en-US" sz="3600" dirty="0"/>
-              <a:t>This </a:t>
-            </a:r>
-            <a:r>
-              <a:rPr lang="en-US" sz="3600" dirty="0" err="1"/>
-              <a:t>IoT</a:t>
-            </a:r>
-            <a:r>
-              <a:rPr lang="en-US" sz="3600" dirty="0"/>
-              <a:t>-based smart transportation system improves vehicle security and management with real-time monitoring and control, offering a reliable and scalable solution for safer transportation operations.</a:t>
-            </a:r>
-          </a:p>
-        </p:txBody>
-      </p:sp>
+        </p:nvPicPr>
+        <p:blipFill>
+          <a:blip r:embed="rId2">
+            <a:extLst>
+              <a:ext uri="{28A0092B-C50C-407E-A947-70E740481C1C}">
+                <a14:useLocalDpi xmlns:a14="http://schemas.microsoft.com/office/drawing/2010/main" val="0"/>
+              </a:ext>
+            </a:extLst>
+          </a:blip>
+          <a:stretch>
+            <a:fillRect/>
+          </a:stretch>
+        </p:blipFill>
+        <p:spPr>
+          <a:xfrm>
+            <a:off x="1447615" y="1547523"/>
+            <a:ext cx="5806037" cy="3274604"/>
+          </a:xfrm>
+        </p:spPr>
+      </p:pic>
     </p:spTree>
     <p:extLst>
       <p:ext uri="{BB962C8B-B14F-4D97-AF65-F5344CB8AC3E}">
-        <p14:creationId xmlns:p14="http://schemas.microsoft.com/office/powerpoint/2010/main" val="2929210442"/>
+        <p14:creationId xmlns:p14="http://schemas.microsoft.com/office/powerpoint/2010/main" val="2614207471"/>
       </p:ext>
     </p:extLst>
   </p:cSld>
@@ -5324,46 +5221,342 @@
           <a:chExt cx="0" cy="0"/>
         </a:xfrm>
       </p:grpSpPr>
-      <p:pic>
-        <p:nvPicPr>
-          <p:cNvPr id="5" name="Picture 4">
+      <p:sp>
+        <p:nvSpPr>
+          <p:cNvPr id="2" name="Rectangle 1"/>
+          <p:cNvSpPr>
+            <a:spLocks noGrp="1"/>
+          </p:cNvSpPr>
+          <p:nvPr>
+            <p:ph type="title"/>
+          </p:nvPr>
+        </p:nvSpPr>
+        <p:spPr>
+          <a:xfrm>
+            <a:off x="609599" y="583959"/>
+            <a:ext cx="8153400" cy="1005840"/>
+          </a:xfrm>
+        </p:spPr>
+        <p:txBody>
+          <a:bodyPr>
+            <a:normAutofit fontScale="90000"/>
+          </a:bodyPr>
+          <a:lstStyle/>
+          <a:p>
+            <a:r>
+              <a:rPr lang="en-US" b="1" dirty="0"/>
+              <a:t>Implementation</a:t>
+            </a:r>
+            <a:r>
+              <a:rPr lang="en-US" dirty="0"/>
+              <a:t>:</a:t>
+            </a:r>
+            <a:br>
+              <a:rPr lang="en-US" dirty="0"/>
+            </a:br>
+            <a:endParaRPr lang="en-US" dirty="0"/>
+          </a:p>
+        </p:txBody>
+      </p:sp>
+      <p:sp>
+        <p:nvSpPr>
+          <p:cNvPr id="4" name="TextBox 3">
             <a:extLst>
               <a:ext uri="{FF2B5EF4-FFF2-40B4-BE49-F238E27FC236}">
-                <a16:creationId xmlns:a16="http://schemas.microsoft.com/office/drawing/2014/main" id="{3DBB704B-FFB2-B060-B0A9-90620010DB51}"/>
+                <a16:creationId xmlns:a16="http://schemas.microsoft.com/office/drawing/2014/main" id="{B590FBD2-5F09-DD43-DD4A-7AA1AD7D45C4}"/>
               </a:ext>
             </a:extLst>
           </p:cNvPr>
-          <p:cNvPicPr>
-            <a:picLocks noChangeAspect="1"/>
-          </p:cNvPicPr>
+          <p:cNvSpPr txBox="1"/>
           <p:nvPr/>
-        </p:nvPicPr>
-        <p:blipFill>
-          <a:blip r:embed="rId2">
-            <a:extLst>
-              <a:ext uri="{28A0092B-C50C-407E-A947-70E740481C1C}">
-                <a14:useLocalDpi xmlns:a14="http://schemas.microsoft.com/office/drawing/2010/main" val="0"/>
-              </a:ext>
-            </a:extLst>
-          </a:blip>
-          <a:stretch>
-            <a:fillRect/>
-          </a:stretch>
-        </p:blipFill>
-        <p:spPr>
-          <a:xfrm>
-            <a:off x="-159583" y="-206375"/>
-            <a:ext cx="9463165" cy="5556249"/>
+        </p:nvSpPr>
+        <p:spPr>
+          <a:xfrm rot="10800000" flipV="1">
+            <a:off x="387151" y="1609070"/>
+            <a:ext cx="8598297" cy="3416320"/>
           </a:xfrm>
           <a:prstGeom prst="rect">
             <a:avLst/>
           </a:prstGeom>
-        </p:spPr>
-      </p:pic>
+          <a:noFill/>
+        </p:spPr>
+        <p:txBody>
+          <a:bodyPr wrap="square">
+            <a:spAutoFit/>
+          </a:bodyPr>
+          <a:lstStyle/>
+          <a:p>
+            <a:r>
+              <a:rPr lang="en-US" sz="2000" b="1" dirty="0"/>
+              <a:t>Hardware</a:t>
+            </a:r>
+            <a:r>
+              <a:rPr lang="en-US" b="1" dirty="0"/>
+              <a:t>:</a:t>
+            </a:r>
+          </a:p>
+          <a:p>
+            <a:pPr marL="285750" indent="-285750">
+              <a:buFont typeface="Arial" panose="020B0604020202020204" pitchFamily="34" charset="0"/>
+              <a:buChar char="•"/>
+            </a:pPr>
+            <a:r>
+              <a:rPr lang="en-US" b="1" dirty="0"/>
+              <a:t>ESP32 CAM</a:t>
+            </a:r>
+            <a:r>
+              <a:rPr lang="en-US" dirty="0"/>
+              <a:t> Setup: Connect the </a:t>
+            </a:r>
+            <a:r>
+              <a:rPr lang="en-US" b="1" dirty="0"/>
+              <a:t>ESP32 CAM </a:t>
+            </a:r>
+            <a:r>
+              <a:rPr lang="en-US" dirty="0"/>
+              <a:t>to Wi-Fi and write firmware to control the camera and relay.</a:t>
+            </a:r>
+          </a:p>
+          <a:p>
+            <a:pPr marL="285750" indent="-285750">
+              <a:buFont typeface="Arial" panose="020B0604020202020204" pitchFamily="34" charset="0"/>
+              <a:buChar char="•"/>
+            </a:pPr>
+            <a:r>
+              <a:rPr lang="en-US" b="1" dirty="0"/>
+              <a:t>Relay and Solenoid Lock:</a:t>
+            </a:r>
+            <a:r>
+              <a:rPr lang="en-US" dirty="0"/>
+              <a:t> Connect the relay module to the </a:t>
+            </a:r>
+            <a:r>
+              <a:rPr lang="en-US" b="1" dirty="0"/>
+              <a:t>ESP32 CAM </a:t>
+            </a:r>
+            <a:r>
+              <a:rPr lang="en-US" dirty="0"/>
+              <a:t>and the solenoid lock to the relay.</a:t>
+            </a:r>
+          </a:p>
+          <a:p>
+            <a:pPr marL="285750" indent="-285750">
+              <a:buFont typeface="Arial" panose="020B0604020202020204" pitchFamily="34" charset="0"/>
+              <a:buChar char="•"/>
+            </a:pPr>
+            <a:r>
+              <a:rPr lang="en-US" b="1" dirty="0"/>
+              <a:t>Power Management</a:t>
+            </a:r>
+            <a:r>
+              <a:rPr lang="en-US" dirty="0"/>
+              <a:t>: Use a 12V power supply, regulated to 5V with a </a:t>
+            </a:r>
+            <a:r>
+              <a:rPr lang="en-US" b="1" dirty="0"/>
+              <a:t>7805</a:t>
+            </a:r>
+            <a:r>
+              <a:rPr lang="en-US" dirty="0"/>
+              <a:t> </a:t>
+            </a:r>
+            <a:r>
+              <a:rPr lang="en-US" b="1" dirty="0"/>
+              <a:t>regulator</a:t>
+            </a:r>
+            <a:r>
+              <a:rPr lang="en-US" dirty="0"/>
+              <a:t>, and stabilize with a </a:t>
+            </a:r>
+            <a:r>
+              <a:rPr lang="en-US" b="1" dirty="0"/>
+              <a:t>100uF</a:t>
+            </a:r>
+            <a:r>
+              <a:rPr lang="en-US" dirty="0"/>
+              <a:t> </a:t>
+            </a:r>
+            <a:r>
+              <a:rPr lang="en-US" b="1" dirty="0"/>
+              <a:t>capacitor</a:t>
+            </a:r>
+            <a:r>
+              <a:rPr lang="en-US" dirty="0"/>
+              <a:t>.</a:t>
+            </a:r>
+          </a:p>
+          <a:p>
+            <a:pPr marL="285750" indent="-285750">
+              <a:buFont typeface="Arial" panose="020B0604020202020204" pitchFamily="34" charset="0"/>
+              <a:buChar char="•"/>
+            </a:pPr>
+            <a:r>
+              <a:rPr lang="en-US" b="1" dirty="0"/>
+              <a:t>LED Connection: </a:t>
+            </a:r>
+            <a:r>
+              <a:rPr lang="en-US" dirty="0"/>
+              <a:t>Attach an LED to a GPIO pin on the </a:t>
+            </a:r>
+            <a:r>
+              <a:rPr lang="en-US" b="1" dirty="0"/>
+              <a:t>ESP32</a:t>
+            </a:r>
+            <a:r>
+              <a:rPr lang="en-US" dirty="0"/>
+              <a:t> </a:t>
+            </a:r>
+            <a:r>
+              <a:rPr lang="en-US" b="1" dirty="0"/>
+              <a:t>CAM</a:t>
+            </a:r>
+            <a:r>
+              <a:rPr lang="en-US" dirty="0"/>
+              <a:t> for status display.</a:t>
+            </a:r>
+          </a:p>
+          <a:p>
+            <a:pPr marL="285750" indent="-285750">
+              <a:buFont typeface="Arial" panose="020B0604020202020204" pitchFamily="34" charset="0"/>
+              <a:buChar char="•"/>
+            </a:pPr>
+            <a:r>
+              <a:rPr lang="en-US" dirty="0"/>
+              <a:t>System Integration: Combine all components with correct connections and settings.</a:t>
+            </a:r>
+          </a:p>
+          <a:p>
+            <a:pPr marL="285750" indent="-285750">
+              <a:buFont typeface="Arial" panose="020B0604020202020204" pitchFamily="34" charset="0"/>
+              <a:buChar char="•"/>
+            </a:pPr>
+            <a:r>
+              <a:rPr lang="en-US" b="1" dirty="0"/>
+              <a:t>Testing</a:t>
+            </a:r>
+            <a:r>
+              <a:rPr lang="en-US" dirty="0"/>
+              <a:t>: Verify that the camera, GPS tracking, relay, solenoid lock, and LED work properly.</a:t>
+            </a:r>
+          </a:p>
+          <a:p>
+            <a:pPr marL="285750" indent="-285750">
+              <a:buFont typeface="Arial" panose="020B0604020202020204" pitchFamily="34" charset="0"/>
+              <a:buChar char="•"/>
+            </a:pPr>
+            <a:endParaRPr lang="en-US" b="1" dirty="0"/>
+          </a:p>
+        </p:txBody>
+      </p:sp>
     </p:spTree>
     <p:extLst>
       <p:ext uri="{BB962C8B-B14F-4D97-AF65-F5344CB8AC3E}">
-        <p14:creationId xmlns:p14="http://schemas.microsoft.com/office/powerpoint/2010/main" val="1164404662"/>
+        <p14:creationId xmlns:p14="http://schemas.microsoft.com/office/powerpoint/2010/main" val="1938181917"/>
+      </p:ext>
+    </p:extLst>
+  </p:cSld>
+  <p:clrMapOvr>
+    <a:masterClrMapping/>
+  </p:clrMapOvr>
+</p:sld>
+</file>
+
+<file path=ppt/slides/slide9.xml><?xml version="1.0" encoding="utf-8"?>
+<p:sld xmlns:a="http://schemas.openxmlformats.org/drawingml/2006/main" xmlns:r="http://schemas.openxmlformats.org/officeDocument/2006/relationships" xmlns:p="http://schemas.openxmlformats.org/presentationml/2006/main">
+  <p:cSld>
+    <p:spTree>
+      <p:nvGrpSpPr>
+        <p:cNvPr id="1" name=""/>
+        <p:cNvGrpSpPr/>
+        <p:nvPr/>
+      </p:nvGrpSpPr>
+      <p:grpSpPr>
+        <a:xfrm>
+          <a:off x="0" y="0"/>
+          <a:ext cx="0" cy="0"/>
+          <a:chOff x="0" y="0"/>
+          <a:chExt cx="0" cy="0"/>
+        </a:xfrm>
+      </p:grpSpPr>
+      <p:sp>
+        <p:nvSpPr>
+          <p:cNvPr id="2" name="Title 1">
+            <a:extLst>
+              <a:ext uri="{FF2B5EF4-FFF2-40B4-BE49-F238E27FC236}">
+                <a16:creationId xmlns:a16="http://schemas.microsoft.com/office/drawing/2014/main" id="{FB5C8BC8-2D17-0562-32BF-AFD1E482D18B}"/>
+              </a:ext>
+            </a:extLst>
+          </p:cNvPr>
+          <p:cNvSpPr>
+            <a:spLocks noGrp="1"/>
+          </p:cNvSpPr>
+          <p:nvPr>
+            <p:ph type="title"/>
+          </p:nvPr>
+        </p:nvSpPr>
+        <p:spPr/>
+        <p:txBody>
+          <a:bodyPr/>
+          <a:lstStyle/>
+          <a:p>
+            <a:r>
+              <a:rPr lang="en-US" b="1" dirty="0"/>
+              <a:t>Conclusion</a:t>
+            </a:r>
+            <a:r>
+              <a:rPr lang="en-US" dirty="0"/>
+              <a:t>:</a:t>
+            </a:r>
+          </a:p>
+        </p:txBody>
+      </p:sp>
+      <p:sp>
+        <p:nvSpPr>
+          <p:cNvPr id="3" name="Content Placeholder 2">
+            <a:extLst>
+              <a:ext uri="{FF2B5EF4-FFF2-40B4-BE49-F238E27FC236}">
+                <a16:creationId xmlns:a16="http://schemas.microsoft.com/office/drawing/2014/main" id="{A0033E4B-D84D-598F-F5F6-967D54578B48}"/>
+              </a:ext>
+            </a:extLst>
+          </p:cNvPr>
+          <p:cNvSpPr>
+            <a:spLocks noGrp="1"/>
+          </p:cNvSpPr>
+          <p:nvPr>
+            <p:ph sz="quarter" idx="13"/>
+          </p:nvPr>
+        </p:nvSpPr>
+        <p:spPr>
+          <a:xfrm>
+            <a:off x="1061122" y="1352551"/>
+            <a:ext cx="7701878" cy="3268624"/>
+          </a:xfrm>
+        </p:spPr>
+        <p:txBody>
+          <a:bodyPr>
+            <a:noAutofit/>
+          </a:bodyPr>
+          <a:lstStyle/>
+          <a:p>
+            <a:r>
+              <a:rPr lang="en-US" sz="3600" dirty="0"/>
+              <a:t>This </a:t>
+            </a:r>
+            <a:r>
+              <a:rPr lang="en-US" sz="3600" dirty="0" err="1"/>
+              <a:t>IoT</a:t>
+            </a:r>
+            <a:r>
+              <a:rPr lang="en-US" sz="3600" dirty="0"/>
+              <a:t>-based smart transportation system improves vehicle security and management with real-time monitoring and control, offering a reliable and scalable solution for safer transportation operations.</a:t>
+            </a:r>
+          </a:p>
+        </p:txBody>
+      </p:sp>
+    </p:spTree>
+    <p:extLst>
+      <p:ext uri="{BB962C8B-B14F-4D97-AF65-F5344CB8AC3E}">
+        <p14:creationId xmlns:p14="http://schemas.microsoft.com/office/powerpoint/2010/main" val="2929210442"/>
       </p:ext>
     </p:extLst>
   </p:cSld>
